--- a/dbatoolsReplication.pptx
+++ b/dbatoolsReplication.pptx
@@ -5,20 +5,22 @@
     <p:sldMasterId id="2147483671" r:id="rId1"/>
   </p:sldMasterIdLst>
   <p:notesMasterIdLst>
-    <p:notesMasterId r:id="rId10"/>
+    <p:notesMasterId r:id="rId12"/>
   </p:notesMasterIdLst>
   <p:handoutMasterIdLst>
-    <p:handoutMasterId r:id="rId11"/>
+    <p:handoutMasterId r:id="rId13"/>
   </p:handoutMasterIdLst>
   <p:sldIdLst>
     <p:sldId id="256" r:id="rId2"/>
     <p:sldId id="258" r:id="rId3"/>
     <p:sldId id="265" r:id="rId4"/>
-    <p:sldId id="309" r:id="rId5"/>
-    <p:sldId id="307" r:id="rId6"/>
-    <p:sldId id="308" r:id="rId7"/>
-    <p:sldId id="301" r:id="rId8"/>
-    <p:sldId id="300" r:id="rId9"/>
+    <p:sldId id="310" r:id="rId5"/>
+    <p:sldId id="309" r:id="rId6"/>
+    <p:sldId id="307" r:id="rId7"/>
+    <p:sldId id="311" r:id="rId8"/>
+    <p:sldId id="308" r:id="rId9"/>
+    <p:sldId id="301" r:id="rId10"/>
+    <p:sldId id="300" r:id="rId11"/>
   </p:sldIdLst>
   <p:sldSz cx="12192000" cy="6858000"/>
   <p:notesSz cx="6858000" cy="9144000"/>
@@ -120,6 +122,9 @@
   <p:extLst>
     <p:ext uri="{EFAFB233-063F-42B5-8137-9DF3F51BA10A}">
       <p15:sldGuideLst xmlns:p15="http://schemas.microsoft.com/office/powerpoint/2012/main"/>
+    </p:ext>
+    <p:ext uri="{2D200454-40CA-4A62-9FC3-DE9A4176ACB9}">
+      <p15:notesGuideLst xmlns:p15="http://schemas.microsoft.com/office/powerpoint/2012/main"/>
     </p:ext>
   </p:extLst>
 </p:presentation>
@@ -7966,12 +7971,6 @@
           <a:bodyPr/>
           <a:lstStyle/>
           <a:p>
-            <a:r>
-              <a:rPr lang="en-US" dirty="0"/>
-              <a:t>We will cover what replication is and how it works </a:t>
-            </a:r>
-          </a:p>
-          <a:p>
             <a:endParaRPr lang="en-US" dirty="0"/>
           </a:p>
         </p:txBody>
@@ -8002,7 +8001,7 @@
     </p:spTree>
     <p:extLst>
       <p:ext uri="{BB962C8B-B14F-4D97-AF65-F5344CB8AC3E}">
-        <p14:creationId xmlns:p14="http://schemas.microsoft.com/office/powerpoint/2010/main" val="2955449457"/>
+        <p14:creationId xmlns:p14="http://schemas.microsoft.com/office/powerpoint/2010/main" val="2969214954"/>
       </p:ext>
     </p:extLst>
   </p:cSld>
@@ -8056,7 +8055,13 @@
           <a:bodyPr/>
           <a:lstStyle/>
           <a:p>
-            <a:endParaRPr lang="en-GB" dirty="0"/>
+            <a:r>
+              <a:rPr lang="en-US" dirty="0"/>
+              <a:t>We will cover what replication is and how it works </a:t>
+            </a:r>
+          </a:p>
+          <a:p>
+            <a:endParaRPr lang="en-US" dirty="0"/>
           </a:p>
         </p:txBody>
       </p:sp>
@@ -8086,7 +8091,7 @@
     </p:spTree>
     <p:extLst>
       <p:ext uri="{BB962C8B-B14F-4D97-AF65-F5344CB8AC3E}">
-        <p14:creationId xmlns:p14="http://schemas.microsoft.com/office/powerpoint/2010/main" val="4247858243"/>
+        <p14:creationId xmlns:p14="http://schemas.microsoft.com/office/powerpoint/2010/main" val="2955449457"/>
       </p:ext>
     </p:extLst>
   </p:cSld>
@@ -8140,7 +8145,7 @@
           <a:bodyPr/>
           <a:lstStyle/>
           <a:p>
-            <a:endParaRPr lang="en-US" dirty="0"/>
+            <a:endParaRPr lang="en-GB" dirty="0"/>
           </a:p>
         </p:txBody>
       </p:sp>
@@ -8170,7 +8175,7 @@
     </p:spTree>
     <p:extLst>
       <p:ext uri="{BB962C8B-B14F-4D97-AF65-F5344CB8AC3E}">
-        <p14:creationId xmlns:p14="http://schemas.microsoft.com/office/powerpoint/2010/main" val="2357723307"/>
+        <p14:creationId xmlns:p14="http://schemas.microsoft.com/office/powerpoint/2010/main" val="4247858243"/>
       </p:ext>
     </p:extLst>
   </p:cSld>
@@ -8224,18 +8229,7 @@
           <a:bodyPr/>
           <a:lstStyle/>
           <a:p>
-            <a:r>
-              <a:rPr lang="en-US" sz="1200" b="0" i="0" kern="1200" dirty="0">
-                <a:solidFill>
-                  <a:schemeClr val="tx1"/>
-                </a:solidFill>
-                <a:effectLst/>
-                <a:latin typeface="+mn-lt"/>
-                <a:ea typeface="+mn-ea"/>
-                <a:cs typeface="+mn-cs"/>
-              </a:rPr>
-              <a:t>620</a:t>
-            </a:r>
+            <a:endParaRPr lang="en-GB" dirty="0"/>
           </a:p>
         </p:txBody>
       </p:sp>
@@ -8265,7 +8259,7 @@
     </p:spTree>
     <p:extLst>
       <p:ext uri="{BB962C8B-B14F-4D97-AF65-F5344CB8AC3E}">
-        <p14:creationId xmlns:p14="http://schemas.microsoft.com/office/powerpoint/2010/main" val="3711910762"/>
+        <p14:creationId xmlns:p14="http://schemas.microsoft.com/office/powerpoint/2010/main" val="3894722083"/>
       </p:ext>
     </p:extLst>
   </p:cSld>
@@ -8319,7 +8313,7 @@
           <a:bodyPr/>
           <a:lstStyle/>
           <a:p>
-            <a:endParaRPr lang="en-US"/>
+            <a:endParaRPr lang="en-US" dirty="0"/>
           </a:p>
         </p:txBody>
       </p:sp>
@@ -8338,9 +8332,188 @@
           <a:bodyPr/>
           <a:lstStyle/>
           <a:p>
+            <a:fld id="{0888DEC1-F2AB-4DD2-8E1F-AE80EFAA4036}" type="slidenum">
+              <a:rPr lang="en-US" smtClean="0"/>
+              <a:t>8</a:t>
+            </a:fld>
+            <a:endParaRPr lang="en-US"/>
+          </a:p>
+        </p:txBody>
+      </p:sp>
+    </p:spTree>
+    <p:extLst>
+      <p:ext uri="{BB962C8B-B14F-4D97-AF65-F5344CB8AC3E}">
+        <p14:creationId xmlns:p14="http://schemas.microsoft.com/office/powerpoint/2010/main" val="2357723307"/>
+      </p:ext>
+    </p:extLst>
+  </p:cSld>
+  <p:clrMapOvr>
+    <a:masterClrMapping/>
+  </p:clrMapOvr>
+</p:notes>
+</file>
+
+<file path=ppt/notesSlides/notesSlide8.xml><?xml version="1.0" encoding="utf-8"?>
+<p:notes xmlns:a="http://schemas.openxmlformats.org/drawingml/2006/main" xmlns:r="http://schemas.openxmlformats.org/officeDocument/2006/relationships" xmlns:p="http://schemas.openxmlformats.org/presentationml/2006/main">
+  <p:cSld>
+    <p:spTree>
+      <p:nvGrpSpPr>
+        <p:cNvPr id="1" name=""/>
+        <p:cNvGrpSpPr/>
+        <p:nvPr/>
+      </p:nvGrpSpPr>
+      <p:grpSpPr>
+        <a:xfrm>
+          <a:off x="0" y="0"/>
+          <a:ext cx="0" cy="0"/>
+          <a:chOff x="0" y="0"/>
+          <a:chExt cx="0" cy="0"/>
+        </a:xfrm>
+      </p:grpSpPr>
+      <p:sp>
+        <p:nvSpPr>
+          <p:cNvPr id="2" name="Slide Image Placeholder 1"/>
+          <p:cNvSpPr>
+            <a:spLocks noGrp="1" noRot="1" noChangeAspect="1"/>
+          </p:cNvSpPr>
+          <p:nvPr>
+            <p:ph type="sldImg"/>
+          </p:nvPr>
+        </p:nvSpPr>
+        <p:spPr/>
+      </p:sp>
+      <p:sp>
+        <p:nvSpPr>
+          <p:cNvPr id="3" name="Notes Placeholder 2"/>
+          <p:cNvSpPr>
+            <a:spLocks noGrp="1"/>
+          </p:cNvSpPr>
+          <p:nvPr>
+            <p:ph type="body" idx="1"/>
+          </p:nvPr>
+        </p:nvSpPr>
+        <p:spPr/>
+        <p:txBody>
+          <a:bodyPr/>
+          <a:lstStyle/>
+          <a:p>
+            <a:r>
+              <a:rPr lang="en-US" sz="1200" b="0" i="0" kern="1200" dirty="0">
+                <a:solidFill>
+                  <a:schemeClr val="tx1"/>
+                </a:solidFill>
+                <a:effectLst/>
+                <a:latin typeface="+mn-lt"/>
+                <a:ea typeface="+mn-ea"/>
+                <a:cs typeface="+mn-cs"/>
+              </a:rPr>
+              <a:t>620</a:t>
+            </a:r>
+          </a:p>
+        </p:txBody>
+      </p:sp>
+      <p:sp>
+        <p:nvSpPr>
+          <p:cNvPr id="4" name="Slide Number Placeholder 3"/>
+          <p:cNvSpPr>
+            <a:spLocks noGrp="1"/>
+          </p:cNvSpPr>
+          <p:nvPr>
+            <p:ph type="sldNum" sz="quarter" idx="5"/>
+          </p:nvPr>
+        </p:nvSpPr>
+        <p:spPr/>
+        <p:txBody>
+          <a:bodyPr/>
+          <a:lstStyle/>
+          <a:p>
+            <a:fld id="{0888DEC1-F2AB-4DD2-8E1F-AE80EFAA4036}" type="slidenum">
+              <a:rPr lang="en-US" smtClean="0"/>
+              <a:t>9</a:t>
+            </a:fld>
+            <a:endParaRPr lang="en-US"/>
+          </a:p>
+        </p:txBody>
+      </p:sp>
+    </p:spTree>
+    <p:extLst>
+      <p:ext uri="{BB962C8B-B14F-4D97-AF65-F5344CB8AC3E}">
+        <p14:creationId xmlns:p14="http://schemas.microsoft.com/office/powerpoint/2010/main" val="3711910762"/>
+      </p:ext>
+    </p:extLst>
+  </p:cSld>
+  <p:clrMapOvr>
+    <a:masterClrMapping/>
+  </p:clrMapOvr>
+</p:notes>
+</file>
+
+<file path=ppt/notesSlides/notesSlide9.xml><?xml version="1.0" encoding="utf-8"?>
+<p:notes xmlns:a="http://schemas.openxmlformats.org/drawingml/2006/main" xmlns:r="http://schemas.openxmlformats.org/officeDocument/2006/relationships" xmlns:p="http://schemas.openxmlformats.org/presentationml/2006/main">
+  <p:cSld>
+    <p:spTree>
+      <p:nvGrpSpPr>
+        <p:cNvPr id="1" name=""/>
+        <p:cNvGrpSpPr/>
+        <p:nvPr/>
+      </p:nvGrpSpPr>
+      <p:grpSpPr>
+        <a:xfrm>
+          <a:off x="0" y="0"/>
+          <a:ext cx="0" cy="0"/>
+          <a:chOff x="0" y="0"/>
+          <a:chExt cx="0" cy="0"/>
+        </a:xfrm>
+      </p:grpSpPr>
+      <p:sp>
+        <p:nvSpPr>
+          <p:cNvPr id="2" name="Slide Image Placeholder 1"/>
+          <p:cNvSpPr>
+            <a:spLocks noGrp="1" noRot="1" noChangeAspect="1"/>
+          </p:cNvSpPr>
+          <p:nvPr>
+            <p:ph type="sldImg"/>
+          </p:nvPr>
+        </p:nvSpPr>
+        <p:spPr/>
+      </p:sp>
+      <p:sp>
+        <p:nvSpPr>
+          <p:cNvPr id="3" name="Notes Placeholder 2"/>
+          <p:cNvSpPr>
+            <a:spLocks noGrp="1"/>
+          </p:cNvSpPr>
+          <p:nvPr>
+            <p:ph type="body" idx="1"/>
+          </p:nvPr>
+        </p:nvSpPr>
+        <p:spPr/>
+        <p:txBody>
+          <a:bodyPr/>
+          <a:lstStyle/>
+          <a:p>
+            <a:endParaRPr lang="en-US"/>
+          </a:p>
+        </p:txBody>
+      </p:sp>
+      <p:sp>
+        <p:nvSpPr>
+          <p:cNvPr id="4" name="Slide Number Placeholder 3"/>
+          <p:cNvSpPr>
+            <a:spLocks noGrp="1"/>
+          </p:cNvSpPr>
+          <p:nvPr>
+            <p:ph type="sldNum" sz="quarter" idx="5"/>
+          </p:nvPr>
+        </p:nvSpPr>
+        <p:spPr/>
+        <p:txBody>
+          <a:bodyPr/>
+          <a:lstStyle/>
+          <a:p>
             <a:fld id="{FE065C3E-6590-437D-A330-DEC8E2D2EEDE}" type="slidenum">
               <a:rPr lang="en-US" smtClean="0"/>
-              <a:t>8</a:t>
+              <a:t>10</a:t>
             </a:fld>
             <a:endParaRPr lang="en-US"/>
           </a:p>
@@ -13226,6 +13399,163 @@
 </p:sld>
 </file>
 
+<file path=ppt/slides/slide10.xml><?xml version="1.0" encoding="utf-8"?>
+<p:sld xmlns:a="http://schemas.openxmlformats.org/drawingml/2006/main" xmlns:r="http://schemas.openxmlformats.org/officeDocument/2006/relationships" xmlns:p="http://schemas.openxmlformats.org/presentationml/2006/main">
+  <p:cSld>
+    <p:spTree>
+      <p:nvGrpSpPr>
+        <p:cNvPr id="1" name=""/>
+        <p:cNvGrpSpPr/>
+        <p:nvPr/>
+      </p:nvGrpSpPr>
+      <p:grpSpPr>
+        <a:xfrm>
+          <a:off x="0" y="0"/>
+          <a:ext cx="0" cy="0"/>
+          <a:chOff x="0" y="0"/>
+          <a:chExt cx="0" cy="0"/>
+        </a:xfrm>
+      </p:grpSpPr>
+      <p:sp>
+        <p:nvSpPr>
+          <p:cNvPr id="3" name="Content Placeholder 2">
+            <a:extLst>
+              <a:ext uri="{FF2B5EF4-FFF2-40B4-BE49-F238E27FC236}">
+                <a16:creationId xmlns:a16="http://schemas.microsoft.com/office/drawing/2014/main" id="{F8CB0B73-318D-4BDF-B34A-C1D6336BDDD3}"/>
+              </a:ext>
+            </a:extLst>
+          </p:cNvPr>
+          <p:cNvSpPr>
+            <a:spLocks noGrp="1"/>
+          </p:cNvSpPr>
+          <p:nvPr>
+            <p:ph sz="half" idx="2"/>
+          </p:nvPr>
+        </p:nvSpPr>
+        <p:spPr>
+          <a:xfrm>
+            <a:off x="839788" y="1235008"/>
+            <a:ext cx="9869602" cy="4954655"/>
+          </a:xfrm>
+        </p:spPr>
+        <p:txBody>
+          <a:bodyPr>
+            <a:normAutofit/>
+          </a:bodyPr>
+          <a:lstStyle/>
+          <a:p>
+            <a:pPr marL="0" indent="0">
+              <a:buNone/>
+            </a:pPr>
+            <a:r>
+              <a:rPr lang="en-US" sz="3100" dirty="0">
+                <a:hlinkClick r:id="rId3"/>
+              </a:rPr>
+              <a:t>https://github.com/jpomfret/dbatools-replication</a:t>
+            </a:r>
+            <a:endParaRPr lang="en-US" sz="3100" dirty="0"/>
+          </a:p>
+          <a:p>
+            <a:pPr marL="0" indent="0">
+              <a:buNone/>
+            </a:pPr>
+            <a:endParaRPr lang="en-US" sz="3100" dirty="0"/>
+          </a:p>
+          <a:p>
+            <a:pPr marL="0" indent="0">
+              <a:buNone/>
+            </a:pPr>
+            <a:r>
+              <a:rPr lang="en-US" sz="3100" b="1" dirty="0"/>
+              <a:t>Jess Pomfret</a:t>
+            </a:r>
+          </a:p>
+          <a:p>
+            <a:pPr marL="0" indent="0">
+              <a:buNone/>
+            </a:pPr>
+            <a:endParaRPr lang="en-US" sz="3100" dirty="0"/>
+          </a:p>
+          <a:p>
+            <a:pPr marL="0" indent="0">
+              <a:buNone/>
+            </a:pPr>
+            <a:r>
+              <a:rPr lang="en-US" sz="3100" dirty="0">
+                <a:hlinkClick r:id="rId4"/>
+              </a:rPr>
+              <a:t>jpomfret7@gmail.com</a:t>
+            </a:r>
+            <a:endParaRPr lang="en-US" sz="3100" dirty="0"/>
+          </a:p>
+          <a:p>
+            <a:pPr marL="0" indent="0">
+              <a:buNone/>
+            </a:pPr>
+            <a:r>
+              <a:rPr lang="en-US" sz="3100" dirty="0">
+                <a:hlinkClick r:id="rId5"/>
+              </a:rPr>
+              <a:t>JessPomfret.com</a:t>
+            </a:r>
+            <a:endParaRPr lang="en-US" sz="3100" dirty="0"/>
+          </a:p>
+          <a:p>
+            <a:pPr marL="0" indent="0">
+              <a:buNone/>
+            </a:pPr>
+            <a:endParaRPr lang="en-US" sz="3100" dirty="0"/>
+          </a:p>
+        </p:txBody>
+      </p:sp>
+      <p:sp>
+        <p:nvSpPr>
+          <p:cNvPr id="2" name="Title 1">
+            <a:extLst>
+              <a:ext uri="{FF2B5EF4-FFF2-40B4-BE49-F238E27FC236}">
+                <a16:creationId xmlns:a16="http://schemas.microsoft.com/office/drawing/2014/main" id="{F3F9DAAB-4104-4A3F-B009-3A226CFDA3A8}"/>
+              </a:ext>
+            </a:extLst>
+          </p:cNvPr>
+          <p:cNvSpPr>
+            <a:spLocks noGrp="1"/>
+          </p:cNvSpPr>
+          <p:nvPr>
+            <p:ph type="title"/>
+          </p:nvPr>
+        </p:nvSpPr>
+        <p:spPr>
+          <a:xfrm>
+            <a:off x="838200" y="1"/>
+            <a:ext cx="10515600" cy="818650"/>
+          </a:xfrm>
+        </p:spPr>
+        <p:txBody>
+          <a:bodyPr anchor="ctr">
+            <a:normAutofit/>
+          </a:bodyPr>
+          <a:lstStyle/>
+          <a:p>
+            <a:r>
+              <a:rPr lang="en-US" dirty="0"/>
+              <a:t>Questions &amp; Feedback</a:t>
+            </a:r>
+          </a:p>
+        </p:txBody>
+      </p:sp>
+    </p:spTree>
+    <p:extLst>
+      <p:ext uri="{BB962C8B-B14F-4D97-AF65-F5344CB8AC3E}">
+        <p14:creationId xmlns:p14="http://schemas.microsoft.com/office/powerpoint/2010/main" val="1906721728"/>
+      </p:ext>
+    </p:extLst>
+  </p:cSld>
+  <p:clrMapOvr>
+    <a:masterClrMapping/>
+  </p:clrMapOvr>
+</p:sld>
+</file>
+
 <file path=ppt/slides/slide2.xml><?xml version="1.0" encoding="utf-8"?>
 <p:sld xmlns:a="http://schemas.openxmlformats.org/drawingml/2006/main" xmlns:r="http://schemas.openxmlformats.org/officeDocument/2006/relationships" xmlns:p="http://schemas.openxmlformats.org/presentationml/2006/main">
   <p:cSld>
@@ -13534,84 +13864,6 @@
           </a:p>
         </p:txBody>
       </p:sp>
-      <p:sp>
-        <p:nvSpPr>
-          <p:cNvPr id="3" name="Content Placeholder 2">
-            <a:extLst>
-              <a:ext uri="{FF2B5EF4-FFF2-40B4-BE49-F238E27FC236}">
-                <a16:creationId xmlns:a16="http://schemas.microsoft.com/office/drawing/2014/main" id="{0A031764-D9F6-4435-B0F7-9C4344D10D55}"/>
-              </a:ext>
-            </a:extLst>
-          </p:cNvPr>
-          <p:cNvSpPr>
-            <a:spLocks noGrp="1"/>
-          </p:cNvSpPr>
-          <p:nvPr>
-            <p:ph idx="1"/>
-          </p:nvPr>
-        </p:nvSpPr>
-        <p:spPr/>
-        <p:txBody>
-          <a:bodyPr>
-            <a:normAutofit/>
-          </a:bodyPr>
-          <a:lstStyle/>
-          <a:p>
-            <a:r>
-              <a:rPr lang="en-US" dirty="0"/>
-              <a:t>What is </a:t>
-            </a:r>
-            <a:r>
-              <a:rPr lang="en-US" dirty="0" err="1"/>
-              <a:t>dbatools</a:t>
-            </a:r>
-            <a:r>
-              <a:rPr lang="en-US" dirty="0"/>
-              <a:t>?</a:t>
-            </a:r>
-          </a:p>
-          <a:p>
-            <a:endParaRPr lang="en-US" dirty="0"/>
-          </a:p>
-          <a:p>
-            <a:r>
-              <a:rPr lang="en-US" dirty="0"/>
-              <a:t>What is replication?</a:t>
-            </a:r>
-          </a:p>
-          <a:p>
-            <a:endParaRPr lang="en-US" dirty="0"/>
-          </a:p>
-          <a:p>
-            <a:r>
-              <a:rPr lang="en-US" dirty="0" err="1"/>
-              <a:t>dbatools</a:t>
-            </a:r>
-            <a:r>
-              <a:rPr lang="en-US" dirty="0"/>
-              <a:t> &amp; replication</a:t>
-            </a:r>
-          </a:p>
-          <a:p>
-            <a:pPr lvl="1"/>
-            <a:endParaRPr lang="en-US" dirty="0"/>
-          </a:p>
-          <a:p>
-            <a:pPr marL="0" indent="0">
-              <a:buNone/>
-            </a:pPr>
-            <a:endParaRPr lang="en-US" dirty="0"/>
-          </a:p>
-          <a:p>
-            <a:pPr lvl="1"/>
-            <a:endParaRPr lang="en-US" dirty="0"/>
-          </a:p>
-          <a:p>
-            <a:pPr lvl="1"/>
-            <a:endParaRPr lang="en-US" dirty="0"/>
-          </a:p>
-        </p:txBody>
-      </p:sp>
       <p:pic>
         <p:nvPicPr>
           <p:cNvPr id="5" name="Picture 4" descr="dbatools">
@@ -13640,7 +13892,7 @@
         </p:blipFill>
         <p:spPr>
           <a:xfrm>
-            <a:off x="8977755" y="1003852"/>
+            <a:off x="2701221" y="2032551"/>
             <a:ext cx="2376045" cy="2376045"/>
           </a:xfrm>
           <a:prstGeom prst="rect">
@@ -13676,14 +13928,92 @@
         </p:blipFill>
         <p:spPr>
           <a:xfrm>
-            <a:off x="10948376" y="4696986"/>
-            <a:ext cx="1243624" cy="1479977"/>
+            <a:off x="8220485" y="2032552"/>
+            <a:ext cx="1605643" cy="1910798"/>
           </a:xfrm>
           <a:prstGeom prst="rect">
             <a:avLst/>
           </a:prstGeom>
         </p:spPr>
       </p:pic>
+      <p:sp>
+        <p:nvSpPr>
+          <p:cNvPr id="8" name="TextBox 7">
+            <a:extLst>
+              <a:ext uri="{FF2B5EF4-FFF2-40B4-BE49-F238E27FC236}">
+                <a16:creationId xmlns:a16="http://schemas.microsoft.com/office/drawing/2014/main" id="{3E371CD7-5327-2EA4-9CB2-9514CC0044D5}"/>
+              </a:ext>
+            </a:extLst>
+          </p:cNvPr>
+          <p:cNvSpPr txBox="1"/>
+          <p:nvPr/>
+        </p:nvSpPr>
+        <p:spPr>
+          <a:xfrm>
+            <a:off x="2701221" y="4177763"/>
+            <a:ext cx="2636589" cy="461665"/>
+          </a:xfrm>
+          <a:prstGeom prst="rect">
+            <a:avLst/>
+          </a:prstGeom>
+          <a:noFill/>
+        </p:spPr>
+        <p:txBody>
+          <a:bodyPr wrap="square" rtlCol="0">
+            <a:spAutoFit/>
+          </a:bodyPr>
+          <a:lstStyle/>
+          <a:p>
+            <a:r>
+              <a:rPr lang="en-GB" sz="2400" dirty="0"/>
+              <a:t>What is </a:t>
+            </a:r>
+            <a:r>
+              <a:rPr lang="en-GB" sz="2400" dirty="0" err="1"/>
+              <a:t>dbatools</a:t>
+            </a:r>
+            <a:r>
+              <a:rPr lang="en-GB" sz="2400" dirty="0"/>
+              <a:t>?</a:t>
+            </a:r>
+          </a:p>
+        </p:txBody>
+      </p:sp>
+      <p:sp>
+        <p:nvSpPr>
+          <p:cNvPr id="9" name="TextBox 8">
+            <a:extLst>
+              <a:ext uri="{FF2B5EF4-FFF2-40B4-BE49-F238E27FC236}">
+                <a16:creationId xmlns:a16="http://schemas.microsoft.com/office/drawing/2014/main" id="{65F9E710-FDD9-F365-290E-36067CA5E7F5}"/>
+              </a:ext>
+            </a:extLst>
+          </p:cNvPr>
+          <p:cNvSpPr txBox="1"/>
+          <p:nvPr/>
+        </p:nvSpPr>
+        <p:spPr>
+          <a:xfrm>
+            <a:off x="7705011" y="4177763"/>
+            <a:ext cx="2734458" cy="461665"/>
+          </a:xfrm>
+          <a:prstGeom prst="rect">
+            <a:avLst/>
+          </a:prstGeom>
+          <a:noFill/>
+        </p:spPr>
+        <p:txBody>
+          <a:bodyPr wrap="square" rtlCol="0">
+            <a:spAutoFit/>
+          </a:bodyPr>
+          <a:lstStyle/>
+          <a:p>
+            <a:r>
+              <a:rPr lang="en-GB" sz="2400" dirty="0"/>
+              <a:t>What is replication?</a:t>
+            </a:r>
+          </a:p>
+        </p:txBody>
+      </p:sp>
     </p:spTree>
     <p:extLst>
       <p:ext uri="{BB962C8B-B14F-4D97-AF65-F5344CB8AC3E}">
@@ -13694,10 +14024,596 @@
   <p:clrMapOvr>
     <a:masterClrMapping/>
   </p:clrMapOvr>
+  <p:timing>
+    <p:tnLst>
+      <p:par>
+        <p:cTn id="1" dur="indefinite" restart="never" nodeType="tmRoot">
+          <p:childTnLst>
+            <p:seq concurrent="1" nextAc="seek">
+              <p:cTn id="2" dur="indefinite" nodeType="mainSeq">
+                <p:childTnLst>
+                  <p:par>
+                    <p:cTn id="3" fill="hold">
+                      <p:stCondLst>
+                        <p:cond delay="indefinite"/>
+                      </p:stCondLst>
+                      <p:childTnLst>
+                        <p:par>
+                          <p:cTn id="4" fill="hold">
+                            <p:stCondLst>
+                              <p:cond delay="0"/>
+                            </p:stCondLst>
+                            <p:childTnLst>
+                              <p:par>
+                                <p:cTn id="5" presetID="1" presetClass="entr" presetSubtype="0" fill="hold" nodeType="clickEffect">
+                                  <p:stCondLst>
+                                    <p:cond delay="0"/>
+                                  </p:stCondLst>
+                                  <p:childTnLst>
+                                    <p:set>
+                                      <p:cBhvr>
+                                        <p:cTn id="6" dur="1" fill="hold">
+                                          <p:stCondLst>
+                                            <p:cond delay="0"/>
+                                          </p:stCondLst>
+                                        </p:cTn>
+                                        <p:tgtEl>
+                                          <p:spTgt spid="5"/>
+                                        </p:tgtEl>
+                                        <p:attrNameLst>
+                                          <p:attrName>style.visibility</p:attrName>
+                                        </p:attrNameLst>
+                                      </p:cBhvr>
+                                      <p:to>
+                                        <p:strVal val="visible"/>
+                                      </p:to>
+                                    </p:set>
+                                  </p:childTnLst>
+                                </p:cTn>
+                              </p:par>
+                              <p:par>
+                                <p:cTn id="7" presetID="1" presetClass="entr" presetSubtype="0" fill="hold" grpId="0" nodeType="withEffect">
+                                  <p:stCondLst>
+                                    <p:cond delay="0"/>
+                                  </p:stCondLst>
+                                  <p:childTnLst>
+                                    <p:set>
+                                      <p:cBhvr>
+                                        <p:cTn id="8" dur="1" fill="hold">
+                                          <p:stCondLst>
+                                            <p:cond delay="0"/>
+                                          </p:stCondLst>
+                                        </p:cTn>
+                                        <p:tgtEl>
+                                          <p:spTgt spid="8"/>
+                                        </p:tgtEl>
+                                        <p:attrNameLst>
+                                          <p:attrName>style.visibility</p:attrName>
+                                        </p:attrNameLst>
+                                      </p:cBhvr>
+                                      <p:to>
+                                        <p:strVal val="visible"/>
+                                      </p:to>
+                                    </p:set>
+                                  </p:childTnLst>
+                                </p:cTn>
+                              </p:par>
+                            </p:childTnLst>
+                          </p:cTn>
+                        </p:par>
+                      </p:childTnLst>
+                    </p:cTn>
+                  </p:par>
+                  <p:par>
+                    <p:cTn id="9" fill="hold">
+                      <p:stCondLst>
+                        <p:cond delay="indefinite"/>
+                      </p:stCondLst>
+                      <p:childTnLst>
+                        <p:par>
+                          <p:cTn id="10" fill="hold">
+                            <p:stCondLst>
+                              <p:cond delay="0"/>
+                            </p:stCondLst>
+                            <p:childTnLst>
+                              <p:par>
+                                <p:cTn id="11" presetID="1" presetClass="entr" presetSubtype="0" fill="hold" nodeType="clickEffect">
+                                  <p:stCondLst>
+                                    <p:cond delay="0"/>
+                                  </p:stCondLst>
+                                  <p:childTnLst>
+                                    <p:set>
+                                      <p:cBhvr>
+                                        <p:cTn id="12" dur="1" fill="hold">
+                                          <p:stCondLst>
+                                            <p:cond delay="0"/>
+                                          </p:stCondLst>
+                                        </p:cTn>
+                                        <p:tgtEl>
+                                          <p:spTgt spid="6"/>
+                                        </p:tgtEl>
+                                        <p:attrNameLst>
+                                          <p:attrName>style.visibility</p:attrName>
+                                        </p:attrNameLst>
+                                      </p:cBhvr>
+                                      <p:to>
+                                        <p:strVal val="visible"/>
+                                      </p:to>
+                                    </p:set>
+                                  </p:childTnLst>
+                                </p:cTn>
+                              </p:par>
+                              <p:par>
+                                <p:cTn id="13" presetID="1" presetClass="entr" presetSubtype="0" fill="hold" grpId="0" nodeType="withEffect">
+                                  <p:stCondLst>
+                                    <p:cond delay="0"/>
+                                  </p:stCondLst>
+                                  <p:childTnLst>
+                                    <p:set>
+                                      <p:cBhvr>
+                                        <p:cTn id="14" dur="1" fill="hold">
+                                          <p:stCondLst>
+                                            <p:cond delay="0"/>
+                                          </p:stCondLst>
+                                        </p:cTn>
+                                        <p:tgtEl>
+                                          <p:spTgt spid="9"/>
+                                        </p:tgtEl>
+                                        <p:attrNameLst>
+                                          <p:attrName>style.visibility</p:attrName>
+                                        </p:attrNameLst>
+                                      </p:cBhvr>
+                                      <p:to>
+                                        <p:strVal val="visible"/>
+                                      </p:to>
+                                    </p:set>
+                                  </p:childTnLst>
+                                </p:cTn>
+                              </p:par>
+                            </p:childTnLst>
+                          </p:cTn>
+                        </p:par>
+                      </p:childTnLst>
+                    </p:cTn>
+                  </p:par>
+                </p:childTnLst>
+              </p:cTn>
+              <p:prevCondLst>
+                <p:cond evt="onPrev" delay="0">
+                  <p:tgtEl>
+                    <p:sldTgt/>
+                  </p:tgtEl>
+                </p:cond>
+              </p:prevCondLst>
+              <p:nextCondLst>
+                <p:cond evt="onNext" delay="0">
+                  <p:tgtEl>
+                    <p:sldTgt/>
+                  </p:tgtEl>
+                </p:cond>
+              </p:nextCondLst>
+            </p:seq>
+          </p:childTnLst>
+        </p:cTn>
+      </p:par>
+    </p:tnLst>
+    <p:bldLst>
+      <p:bldP spid="8" grpId="0"/>
+      <p:bldP spid="9" grpId="0"/>
+    </p:bldLst>
+  </p:timing>
 </p:sld>
 </file>
 
 <file path=ppt/slides/slide4.xml><?xml version="1.0" encoding="utf-8"?>
+<p:sld xmlns:a="http://schemas.openxmlformats.org/drawingml/2006/main" xmlns:r="http://schemas.openxmlformats.org/officeDocument/2006/relationships" xmlns:p="http://schemas.openxmlformats.org/presentationml/2006/main">
+  <p:cSld>
+    <p:spTree>
+      <p:nvGrpSpPr>
+        <p:cNvPr id="1" name=""/>
+        <p:cNvGrpSpPr/>
+        <p:nvPr/>
+      </p:nvGrpSpPr>
+      <p:grpSpPr>
+        <a:xfrm>
+          <a:off x="0" y="0"/>
+          <a:ext cx="0" cy="0"/>
+          <a:chOff x="0" y="0"/>
+          <a:chExt cx="0" cy="0"/>
+        </a:xfrm>
+      </p:grpSpPr>
+      <p:sp>
+        <p:nvSpPr>
+          <p:cNvPr id="3" name="Heart 2">
+            <a:extLst>
+              <a:ext uri="{FF2B5EF4-FFF2-40B4-BE49-F238E27FC236}">
+                <a16:creationId xmlns:a16="http://schemas.microsoft.com/office/drawing/2014/main" id="{CD74BBF4-B7B8-909C-92B5-A1CC097CC451}"/>
+              </a:ext>
+            </a:extLst>
+          </p:cNvPr>
+          <p:cNvSpPr/>
+          <p:nvPr/>
+        </p:nvSpPr>
+        <p:spPr>
+          <a:xfrm>
+            <a:off x="2678430" y="818651"/>
+            <a:ext cx="6797040" cy="5353549"/>
+          </a:xfrm>
+          <a:prstGeom prst="heart">
+            <a:avLst/>
+          </a:prstGeom>
+        </p:spPr>
+        <p:style>
+          <a:lnRef idx="3">
+            <a:schemeClr val="lt1"/>
+          </a:lnRef>
+          <a:fillRef idx="1">
+            <a:schemeClr val="accent4"/>
+          </a:fillRef>
+          <a:effectRef idx="1">
+            <a:schemeClr val="accent4"/>
+          </a:effectRef>
+          <a:fontRef idx="minor">
+            <a:schemeClr val="lt1"/>
+          </a:fontRef>
+        </p:style>
+        <p:txBody>
+          <a:bodyPr rtlCol="0" anchor="ctr"/>
+          <a:lstStyle/>
+          <a:p>
+            <a:pPr algn="ctr"/>
+            <a:endParaRPr lang="en-GB"/>
+          </a:p>
+        </p:txBody>
+      </p:sp>
+      <p:sp>
+        <p:nvSpPr>
+          <p:cNvPr id="2" name="Title 1">
+            <a:extLst>
+              <a:ext uri="{FF2B5EF4-FFF2-40B4-BE49-F238E27FC236}">
+                <a16:creationId xmlns:a16="http://schemas.microsoft.com/office/drawing/2014/main" id="{C00D3F27-EF55-4172-ACEE-8D340D505FAA}"/>
+              </a:ext>
+            </a:extLst>
+          </p:cNvPr>
+          <p:cNvSpPr>
+            <a:spLocks noGrp="1"/>
+          </p:cNvSpPr>
+          <p:nvPr>
+            <p:ph type="title"/>
+          </p:nvPr>
+        </p:nvSpPr>
+        <p:spPr/>
+        <p:txBody>
+          <a:bodyPr/>
+          <a:lstStyle/>
+          <a:p>
+            <a:r>
+              <a:rPr lang="en-US"/>
+              <a:t>Agenda</a:t>
+            </a:r>
+          </a:p>
+        </p:txBody>
+      </p:sp>
+      <p:pic>
+        <p:nvPicPr>
+          <p:cNvPr id="5" name="Picture 4" descr="dbatools">
+            <a:extLst>
+              <a:ext uri="{FF2B5EF4-FFF2-40B4-BE49-F238E27FC236}">
+                <a16:creationId xmlns:a16="http://schemas.microsoft.com/office/drawing/2014/main" id="{883620BE-A5F5-49F1-8D15-5CA6EAEC47D9}"/>
+              </a:ext>
+            </a:extLst>
+          </p:cNvPr>
+          <p:cNvPicPr>
+            <a:picLocks noChangeAspect="1"/>
+          </p:cNvPicPr>
+          <p:nvPr/>
+        </p:nvPicPr>
+        <p:blipFill>
+          <a:blip r:embed="rId3">
+            <a:extLst>
+              <a:ext uri="{28A0092B-C50C-407E-A947-70E740481C1C}">
+                <a14:useLocalDpi xmlns:a14="http://schemas.microsoft.com/office/drawing/2010/main" val="0"/>
+              </a:ext>
+            </a:extLst>
+          </a:blip>
+          <a:stretch>
+            <a:fillRect/>
+          </a:stretch>
+        </p:blipFill>
+        <p:spPr>
+          <a:xfrm>
+            <a:off x="4122385" y="2036134"/>
+            <a:ext cx="2376045" cy="2376045"/>
+          </a:xfrm>
+          <a:prstGeom prst="rect">
+            <a:avLst/>
+          </a:prstGeom>
+        </p:spPr>
+      </p:pic>
+      <p:pic>
+        <p:nvPicPr>
+          <p:cNvPr id="6" name="Picture 5">
+            <a:extLst>
+              <a:ext uri="{FF2B5EF4-FFF2-40B4-BE49-F238E27FC236}">
+                <a16:creationId xmlns:a16="http://schemas.microsoft.com/office/drawing/2014/main" id="{C19A8654-2B5A-35C7-C588-87C17AB4EE32}"/>
+              </a:ext>
+            </a:extLst>
+          </p:cNvPr>
+          <p:cNvPicPr>
+            <a:picLocks noChangeAspect="1"/>
+          </p:cNvPicPr>
+          <p:nvPr/>
+        </p:nvPicPr>
+        <p:blipFill>
+          <a:blip r:embed="rId4">
+            <a:extLst>
+              <a:ext uri="{28A0092B-C50C-407E-A947-70E740481C1C}">
+                <a14:useLocalDpi xmlns:a14="http://schemas.microsoft.com/office/drawing/2010/main" val="0"/>
+              </a:ext>
+            </a:extLst>
+          </a:blip>
+          <a:stretch>
+            <a:fillRect/>
+          </a:stretch>
+        </p:blipFill>
+        <p:spPr>
+          <a:xfrm>
+            <a:off x="6350334" y="2036134"/>
+            <a:ext cx="1605643" cy="1910798"/>
+          </a:xfrm>
+          <a:prstGeom prst="rect">
+            <a:avLst/>
+          </a:prstGeom>
+        </p:spPr>
+      </p:pic>
+      <p:sp>
+        <p:nvSpPr>
+          <p:cNvPr id="8" name="TextBox 7">
+            <a:extLst>
+              <a:ext uri="{FF2B5EF4-FFF2-40B4-BE49-F238E27FC236}">
+                <a16:creationId xmlns:a16="http://schemas.microsoft.com/office/drawing/2014/main" id="{3E371CD7-5327-2EA4-9CB2-9514CC0044D5}"/>
+              </a:ext>
+            </a:extLst>
+          </p:cNvPr>
+          <p:cNvSpPr txBox="1"/>
+          <p:nvPr/>
+        </p:nvSpPr>
+        <p:spPr>
+          <a:xfrm>
+            <a:off x="4329094" y="4181346"/>
+            <a:ext cx="4042479" cy="461665"/>
+          </a:xfrm>
+          <a:prstGeom prst="rect">
+            <a:avLst/>
+          </a:prstGeom>
+          <a:noFill/>
+        </p:spPr>
+        <p:txBody>
+          <a:bodyPr wrap="square" rtlCol="0">
+            <a:spAutoFit/>
+          </a:bodyPr>
+          <a:lstStyle/>
+          <a:p>
+            <a:r>
+              <a:rPr lang="en-GB" sz="2400" dirty="0" err="1"/>
+              <a:t>dbatools</a:t>
+            </a:r>
+            <a:r>
+              <a:rPr lang="en-GB" sz="2400" dirty="0"/>
+              <a:t> and replication!</a:t>
+            </a:r>
+          </a:p>
+        </p:txBody>
+      </p:sp>
+    </p:spTree>
+    <p:extLst>
+      <p:ext uri="{BB962C8B-B14F-4D97-AF65-F5344CB8AC3E}">
+        <p14:creationId xmlns:p14="http://schemas.microsoft.com/office/powerpoint/2010/main" val="3092772024"/>
+      </p:ext>
+    </p:extLst>
+  </p:cSld>
+  <p:clrMapOvr>
+    <a:masterClrMapping/>
+  </p:clrMapOvr>
+  <p:timing>
+    <p:tnLst>
+      <p:par>
+        <p:cTn id="1" dur="indefinite" restart="never" nodeType="tmRoot">
+          <p:childTnLst>
+            <p:seq concurrent="1" nextAc="seek">
+              <p:cTn id="2" dur="indefinite" nodeType="mainSeq">
+                <p:childTnLst>
+                  <p:par>
+                    <p:cTn id="3" fill="hold">
+                      <p:stCondLst>
+                        <p:cond delay="indefinite"/>
+                        <p:cond evt="onBegin" delay="0">
+                          <p:tn val="2"/>
+                        </p:cond>
+                      </p:stCondLst>
+                      <p:childTnLst>
+                        <p:par>
+                          <p:cTn id="4" fill="hold">
+                            <p:stCondLst>
+                              <p:cond delay="0"/>
+                            </p:stCondLst>
+                            <p:childTnLst>
+                              <p:par>
+                                <p:cTn id="5" presetID="6" presetClass="entr" presetSubtype="16" fill="hold" nodeType="withEffect">
+                                  <p:stCondLst>
+                                    <p:cond delay="0"/>
+                                  </p:stCondLst>
+                                  <p:childTnLst>
+                                    <p:set>
+                                      <p:cBhvr>
+                                        <p:cTn id="6" dur="1" fill="hold">
+                                          <p:stCondLst>
+                                            <p:cond delay="0"/>
+                                          </p:stCondLst>
+                                        </p:cTn>
+                                        <p:tgtEl>
+                                          <p:spTgt spid="5"/>
+                                        </p:tgtEl>
+                                        <p:attrNameLst>
+                                          <p:attrName>style.visibility</p:attrName>
+                                        </p:attrNameLst>
+                                      </p:cBhvr>
+                                      <p:to>
+                                        <p:strVal val="visible"/>
+                                      </p:to>
+                                    </p:set>
+                                    <p:animEffect transition="in" filter="circle(in)">
+                                      <p:cBhvr>
+                                        <p:cTn id="7" dur="2000"/>
+                                        <p:tgtEl>
+                                          <p:spTgt spid="5"/>
+                                        </p:tgtEl>
+                                      </p:cBhvr>
+                                    </p:animEffect>
+                                  </p:childTnLst>
+                                </p:cTn>
+                              </p:par>
+                              <p:par>
+                                <p:cTn id="8" presetID="6" presetClass="entr" presetSubtype="16" fill="hold" grpId="0" nodeType="withEffect">
+                                  <p:stCondLst>
+                                    <p:cond delay="0"/>
+                                  </p:stCondLst>
+                                  <p:childTnLst>
+                                    <p:set>
+                                      <p:cBhvr>
+                                        <p:cTn id="9" dur="1" fill="hold">
+                                          <p:stCondLst>
+                                            <p:cond delay="0"/>
+                                          </p:stCondLst>
+                                        </p:cTn>
+                                        <p:tgtEl>
+                                          <p:spTgt spid="8"/>
+                                        </p:tgtEl>
+                                        <p:attrNameLst>
+                                          <p:attrName>style.visibility</p:attrName>
+                                        </p:attrNameLst>
+                                      </p:cBhvr>
+                                      <p:to>
+                                        <p:strVal val="visible"/>
+                                      </p:to>
+                                    </p:set>
+                                    <p:animEffect transition="in" filter="circle(in)">
+                                      <p:cBhvr>
+                                        <p:cTn id="10" dur="2000"/>
+                                        <p:tgtEl>
+                                          <p:spTgt spid="8"/>
+                                        </p:tgtEl>
+                                      </p:cBhvr>
+                                    </p:animEffect>
+                                  </p:childTnLst>
+                                </p:cTn>
+                              </p:par>
+                              <p:par>
+                                <p:cTn id="11" presetID="6" presetClass="entr" presetSubtype="16" fill="hold" nodeType="withEffect">
+                                  <p:stCondLst>
+                                    <p:cond delay="0"/>
+                                  </p:stCondLst>
+                                  <p:childTnLst>
+                                    <p:set>
+                                      <p:cBhvr>
+                                        <p:cTn id="12" dur="1" fill="hold">
+                                          <p:stCondLst>
+                                            <p:cond delay="0"/>
+                                          </p:stCondLst>
+                                        </p:cTn>
+                                        <p:tgtEl>
+                                          <p:spTgt spid="6"/>
+                                        </p:tgtEl>
+                                        <p:attrNameLst>
+                                          <p:attrName>style.visibility</p:attrName>
+                                        </p:attrNameLst>
+                                      </p:cBhvr>
+                                      <p:to>
+                                        <p:strVal val="visible"/>
+                                      </p:to>
+                                    </p:set>
+                                    <p:animEffect transition="in" filter="circle(in)">
+                                      <p:cBhvr>
+                                        <p:cTn id="13" dur="2000"/>
+                                        <p:tgtEl>
+                                          <p:spTgt spid="6"/>
+                                        </p:tgtEl>
+                                      </p:cBhvr>
+                                    </p:animEffect>
+                                  </p:childTnLst>
+                                </p:cTn>
+                              </p:par>
+                              <p:par>
+                                <p:cTn id="14" presetID="6" presetClass="entr" presetSubtype="16" fill="hold" grpId="0" nodeType="withEffect">
+                                  <p:stCondLst>
+                                    <p:cond delay="0"/>
+                                  </p:stCondLst>
+                                  <p:childTnLst>
+                                    <p:set>
+                                      <p:cBhvr>
+                                        <p:cTn id="15" dur="1" fill="hold">
+                                          <p:stCondLst>
+                                            <p:cond delay="0"/>
+                                          </p:stCondLst>
+                                        </p:cTn>
+                                        <p:tgtEl>
+                                          <p:spTgt spid="3"/>
+                                        </p:tgtEl>
+                                        <p:attrNameLst>
+                                          <p:attrName>style.visibility</p:attrName>
+                                        </p:attrNameLst>
+                                      </p:cBhvr>
+                                      <p:to>
+                                        <p:strVal val="visible"/>
+                                      </p:to>
+                                    </p:set>
+                                    <p:animEffect transition="in" filter="circle(in)">
+                                      <p:cBhvr>
+                                        <p:cTn id="16" dur="2000"/>
+                                        <p:tgtEl>
+                                          <p:spTgt spid="3"/>
+                                        </p:tgtEl>
+                                      </p:cBhvr>
+                                    </p:animEffect>
+                                  </p:childTnLst>
+                                </p:cTn>
+                              </p:par>
+                            </p:childTnLst>
+                          </p:cTn>
+                        </p:par>
+                      </p:childTnLst>
+                    </p:cTn>
+                  </p:par>
+                </p:childTnLst>
+              </p:cTn>
+              <p:prevCondLst>
+                <p:cond evt="onPrev" delay="0">
+                  <p:tgtEl>
+                    <p:sldTgt/>
+                  </p:tgtEl>
+                </p:cond>
+              </p:prevCondLst>
+              <p:nextCondLst>
+                <p:cond evt="onNext" delay="0">
+                  <p:tgtEl>
+                    <p:sldTgt/>
+                  </p:tgtEl>
+                </p:cond>
+              </p:nextCondLst>
+            </p:seq>
+          </p:childTnLst>
+        </p:cTn>
+      </p:par>
+    </p:tnLst>
+    <p:bldLst>
+      <p:bldP spid="3" grpId="0" animBg="1"/>
+      <p:bldP spid="8" grpId="0"/>
+    </p:bldLst>
+  </p:timing>
+</p:sld>
+</file>
+
+<file path=ppt/slides/slide5.xml><?xml version="1.0" encoding="utf-8"?>
 <p:sld xmlns:a="http://schemas.openxmlformats.org/drawingml/2006/main" xmlns:r="http://schemas.openxmlformats.org/officeDocument/2006/relationships" xmlns:p="http://schemas.openxmlformats.org/presentationml/2006/main">
   <p:cSld>
     <p:spTree>
@@ -13793,7 +14709,7 @@
 </p:sld>
 </file>
 
-<file path=ppt/slides/slide5.xml><?xml version="1.0" encoding="utf-8"?>
+<file path=ppt/slides/slide6.xml><?xml version="1.0" encoding="utf-8"?>
 <p:sld xmlns:a="http://schemas.openxmlformats.org/drawingml/2006/main" xmlns:r="http://schemas.openxmlformats.org/officeDocument/2006/relationships" xmlns:p="http://schemas.openxmlformats.org/presentationml/2006/main">
   <p:cSld>
     <p:spTree>
@@ -13839,8 +14755,8 @@
           <a:lstStyle/>
           <a:p>
             <a:r>
-              <a:rPr lang="en-US" dirty="0"/>
-              <a:t>Replication 101</a:t>
+              <a:rPr lang="en-US" dirty="0" err="1"/>
+              <a:t>dbatools</a:t>
             </a:r>
             <a:endParaRPr lang="en-GB" dirty="0"/>
           </a:p>
@@ -13874,6 +14790,235 @@
           </a:bodyPr>
           <a:lstStyle/>
           <a:p>
+            <a:pPr marL="571500" indent="-571500">
+              <a:buFont typeface="Arial" panose="020B0604020202020204" pitchFamily="34" charset="0"/>
+              <a:buChar char="•"/>
+            </a:pPr>
+            <a:r>
+              <a:rPr lang="en-US" dirty="0">
+                <a:latin typeface="+mn-lt"/>
+              </a:rPr>
+              <a:t>Open-source PowerShell Module</a:t>
+            </a:r>
+          </a:p>
+          <a:p>
+            <a:pPr marL="571500" indent="-571500">
+              <a:buFont typeface="Arial" panose="020B0604020202020204" pitchFamily="34" charset="0"/>
+              <a:buChar char="•"/>
+            </a:pPr>
+            <a:r>
+              <a:rPr lang="en-US" dirty="0">
+                <a:latin typeface="+mn-lt"/>
+              </a:rPr>
+              <a:t>Written by the community</a:t>
+            </a:r>
+          </a:p>
+          <a:p>
+            <a:pPr marL="571500" indent="-571500">
+              <a:buFont typeface="Arial" panose="020B0604020202020204" pitchFamily="34" charset="0"/>
+              <a:buChar char="•"/>
+            </a:pPr>
+            <a:r>
+              <a:rPr lang="en-US" dirty="0">
+                <a:latin typeface="+mn-lt"/>
+              </a:rPr>
+              <a:t>650+ commands</a:t>
+            </a:r>
+          </a:p>
+          <a:p>
+            <a:pPr marL="571500" indent="-571500">
+              <a:buFont typeface="Arial" panose="020B0604020202020204" pitchFamily="34" charset="0"/>
+              <a:buChar char="•"/>
+            </a:pPr>
+            <a:endParaRPr lang="en-US" dirty="0">
+              <a:latin typeface="+mn-lt"/>
+            </a:endParaRPr>
+          </a:p>
+          <a:p>
+            <a:pPr marL="571500" indent="-571500">
+              <a:buFont typeface="Arial" panose="020B0604020202020204" pitchFamily="34" charset="0"/>
+              <a:buChar char="•"/>
+            </a:pPr>
+            <a:r>
+              <a:rPr lang="en-US" dirty="0">
+                <a:latin typeface="+mn-lt"/>
+                <a:hlinkClick r:id="rId3"/>
+              </a:rPr>
+              <a:t>https://dbatools.io/</a:t>
+            </a:r>
+            <a:endParaRPr lang="en-US" dirty="0">
+              <a:latin typeface="+mn-lt"/>
+            </a:endParaRPr>
+          </a:p>
+          <a:p>
+            <a:pPr marL="571500" indent="-571500">
+              <a:buFont typeface="Arial" panose="020B0604020202020204" pitchFamily="34" charset="0"/>
+              <a:buChar char="•"/>
+            </a:pPr>
+            <a:r>
+              <a:rPr lang="en-US" dirty="0">
+                <a:latin typeface="+mn-lt"/>
+                <a:hlinkClick r:id="rId4"/>
+              </a:rPr>
+              <a:t>https://github.com/dataplat/dbatools</a:t>
+            </a:r>
+            <a:endParaRPr lang="en-US" dirty="0">
+              <a:latin typeface="+mn-lt"/>
+            </a:endParaRPr>
+          </a:p>
+          <a:p>
+            <a:pPr marL="571500" indent="-571500">
+              <a:buFont typeface="Arial" panose="020B0604020202020204" pitchFamily="34" charset="0"/>
+              <a:buChar char="•"/>
+            </a:pPr>
+            <a:endParaRPr lang="en-US" dirty="0">
+              <a:latin typeface="+mn-lt"/>
+            </a:endParaRPr>
+          </a:p>
+          <a:p>
+            <a:pPr marL="571500" indent="-571500">
+              <a:buFont typeface="Arial" panose="020B0604020202020204" pitchFamily="34" charset="0"/>
+              <a:buChar char="•"/>
+            </a:pPr>
+            <a:endParaRPr lang="en-US" dirty="0">
+              <a:latin typeface="+mn-lt"/>
+            </a:endParaRPr>
+          </a:p>
+          <a:p>
+            <a:pPr marL="571500" indent="-571500">
+              <a:buFont typeface="Arial" panose="020B0604020202020204" pitchFamily="34" charset="0"/>
+              <a:buChar char="•"/>
+            </a:pPr>
+            <a:endParaRPr lang="en-US" dirty="0">
+              <a:latin typeface="+mn-lt"/>
+            </a:endParaRPr>
+          </a:p>
+        </p:txBody>
+      </p:sp>
+      <p:pic>
+        <p:nvPicPr>
+          <p:cNvPr id="4" name="Picture 3">
+            <a:extLst>
+              <a:ext uri="{FF2B5EF4-FFF2-40B4-BE49-F238E27FC236}">
+                <a16:creationId xmlns:a16="http://schemas.microsoft.com/office/drawing/2014/main" id="{04BFB74B-79F2-8B1E-70D7-A3FB8FCBA9B8}"/>
+              </a:ext>
+            </a:extLst>
+          </p:cNvPr>
+          <p:cNvPicPr>
+            <a:picLocks noChangeAspect="1"/>
+          </p:cNvPicPr>
+          <p:nvPr/>
+        </p:nvPicPr>
+        <p:blipFill>
+          <a:blip r:embed="rId5"/>
+          <a:stretch>
+            <a:fillRect/>
+          </a:stretch>
+        </p:blipFill>
+        <p:spPr>
+          <a:xfrm>
+            <a:off x="9582476" y="2976963"/>
+            <a:ext cx="2609524" cy="3200000"/>
+          </a:xfrm>
+          <a:prstGeom prst="rect">
+            <a:avLst/>
+          </a:prstGeom>
+        </p:spPr>
+      </p:pic>
+    </p:spTree>
+    <p:extLst>
+      <p:ext uri="{BB962C8B-B14F-4D97-AF65-F5344CB8AC3E}">
+        <p14:creationId xmlns:p14="http://schemas.microsoft.com/office/powerpoint/2010/main" val="2710035141"/>
+      </p:ext>
+    </p:extLst>
+  </p:cSld>
+  <p:clrMapOvr>
+    <a:masterClrMapping/>
+  </p:clrMapOvr>
+</p:sld>
+</file>
+
+<file path=ppt/slides/slide7.xml><?xml version="1.0" encoding="utf-8"?>
+<p:sld xmlns:a="http://schemas.openxmlformats.org/drawingml/2006/main" xmlns:r="http://schemas.openxmlformats.org/officeDocument/2006/relationships" xmlns:p="http://schemas.openxmlformats.org/presentationml/2006/main">
+  <p:cSld>
+    <p:spTree>
+      <p:nvGrpSpPr>
+        <p:cNvPr id="1" name=""/>
+        <p:cNvGrpSpPr/>
+        <p:nvPr/>
+      </p:nvGrpSpPr>
+      <p:grpSpPr>
+        <a:xfrm>
+          <a:off x="0" y="0"/>
+          <a:ext cx="0" cy="0"/>
+          <a:chOff x="0" y="0"/>
+          <a:chExt cx="0" cy="0"/>
+        </a:xfrm>
+      </p:grpSpPr>
+      <p:sp>
+        <p:nvSpPr>
+          <p:cNvPr id="2" name="Title 1">
+            <a:extLst>
+              <a:ext uri="{FF2B5EF4-FFF2-40B4-BE49-F238E27FC236}">
+                <a16:creationId xmlns:a16="http://schemas.microsoft.com/office/drawing/2014/main" id="{73D4E0B6-DD13-9EFF-09E0-BE0B2CC51B4A}"/>
+              </a:ext>
+            </a:extLst>
+          </p:cNvPr>
+          <p:cNvSpPr>
+            <a:spLocks noGrp="1"/>
+          </p:cNvSpPr>
+          <p:nvPr>
+            <p:ph type="title"/>
+          </p:nvPr>
+        </p:nvSpPr>
+        <p:spPr>
+          <a:xfrm>
+            <a:off x="838200" y="1"/>
+            <a:ext cx="10515600" cy="818650"/>
+          </a:xfrm>
+        </p:spPr>
+        <p:txBody>
+          <a:bodyPr anchor="ctr">
+            <a:normAutofit/>
+          </a:bodyPr>
+          <a:lstStyle/>
+          <a:p>
+            <a:r>
+              <a:rPr lang="en-US" dirty="0"/>
+              <a:t>Replication 101</a:t>
+            </a:r>
+            <a:endParaRPr lang="en-GB" dirty="0"/>
+          </a:p>
+        </p:txBody>
+      </p:sp>
+      <p:sp>
+        <p:nvSpPr>
+          <p:cNvPr id="7" name="Content Placeholder 2">
+            <a:extLst>
+              <a:ext uri="{FF2B5EF4-FFF2-40B4-BE49-F238E27FC236}">
+                <a16:creationId xmlns:a16="http://schemas.microsoft.com/office/drawing/2014/main" id="{0A2A0AF1-6C05-A199-FAC0-5EA191D32979}"/>
+              </a:ext>
+            </a:extLst>
+          </p:cNvPr>
+          <p:cNvSpPr>
+            <a:spLocks noGrp="1"/>
+          </p:cNvSpPr>
+          <p:nvPr>
+            <p:ph idx="1"/>
+          </p:nvPr>
+        </p:nvSpPr>
+        <p:spPr>
+          <a:xfrm>
+            <a:off x="838200" y="1003852"/>
+            <a:ext cx="10515600" cy="5173111"/>
+          </a:xfrm>
+        </p:spPr>
+        <p:txBody>
+          <a:bodyPr>
+            <a:normAutofit/>
+          </a:bodyPr>
+          <a:lstStyle/>
+          <a:p>
             <a:r>
               <a:rPr lang="en-US" b="0" i="0" dirty="0">
                 <a:solidFill>
@@ -13895,7 +15040,7 @@
     </p:spTree>
     <p:extLst>
       <p:ext uri="{BB962C8B-B14F-4D97-AF65-F5344CB8AC3E}">
-        <p14:creationId xmlns:p14="http://schemas.microsoft.com/office/powerpoint/2010/main" val="2710035141"/>
+        <p14:creationId xmlns:p14="http://schemas.microsoft.com/office/powerpoint/2010/main" val="3110680544"/>
       </p:ext>
     </p:extLst>
   </p:cSld>
@@ -13905,7 +15050,7 @@
 </p:sld>
 </file>
 
-<file path=ppt/slides/slide6.xml><?xml version="1.0" encoding="utf-8"?>
+<file path=ppt/slides/slide8.xml><?xml version="1.0" encoding="utf-8"?>
 <p:sld xmlns:a="http://schemas.openxmlformats.org/drawingml/2006/main" xmlns:r="http://schemas.openxmlformats.org/officeDocument/2006/relationships" xmlns:p="http://schemas.openxmlformats.org/presentationml/2006/main">
   <p:cSld>
     <p:spTree>
@@ -13995,7 +15140,7 @@
 </p:sld>
 </file>
 
-<file path=ppt/slides/slide7.xml><?xml version="1.0" encoding="utf-8"?>
+<file path=ppt/slides/slide9.xml><?xml version="1.0" encoding="utf-8"?>
 <p:sld xmlns:a="http://schemas.openxmlformats.org/drawingml/2006/main" xmlns:r="http://schemas.openxmlformats.org/officeDocument/2006/relationships" xmlns:p="http://schemas.openxmlformats.org/presentationml/2006/main">
   <p:cSld>
     <p:spTree>
@@ -14124,163 +15269,6 @@
     <p:extLst>
       <p:ext uri="{BB962C8B-B14F-4D97-AF65-F5344CB8AC3E}">
         <p14:creationId xmlns:p14="http://schemas.microsoft.com/office/powerpoint/2010/main" val="1710610017"/>
-      </p:ext>
-    </p:extLst>
-  </p:cSld>
-  <p:clrMapOvr>
-    <a:masterClrMapping/>
-  </p:clrMapOvr>
-</p:sld>
-</file>
-
-<file path=ppt/slides/slide8.xml><?xml version="1.0" encoding="utf-8"?>
-<p:sld xmlns:a="http://schemas.openxmlformats.org/drawingml/2006/main" xmlns:r="http://schemas.openxmlformats.org/officeDocument/2006/relationships" xmlns:p="http://schemas.openxmlformats.org/presentationml/2006/main">
-  <p:cSld>
-    <p:spTree>
-      <p:nvGrpSpPr>
-        <p:cNvPr id="1" name=""/>
-        <p:cNvGrpSpPr/>
-        <p:nvPr/>
-      </p:nvGrpSpPr>
-      <p:grpSpPr>
-        <a:xfrm>
-          <a:off x="0" y="0"/>
-          <a:ext cx="0" cy="0"/>
-          <a:chOff x="0" y="0"/>
-          <a:chExt cx="0" cy="0"/>
-        </a:xfrm>
-      </p:grpSpPr>
-      <p:sp>
-        <p:nvSpPr>
-          <p:cNvPr id="3" name="Content Placeholder 2">
-            <a:extLst>
-              <a:ext uri="{FF2B5EF4-FFF2-40B4-BE49-F238E27FC236}">
-                <a16:creationId xmlns:a16="http://schemas.microsoft.com/office/drawing/2014/main" id="{F8CB0B73-318D-4BDF-B34A-C1D6336BDDD3}"/>
-              </a:ext>
-            </a:extLst>
-          </p:cNvPr>
-          <p:cNvSpPr>
-            <a:spLocks noGrp="1"/>
-          </p:cNvSpPr>
-          <p:nvPr>
-            <p:ph sz="half" idx="2"/>
-          </p:nvPr>
-        </p:nvSpPr>
-        <p:spPr>
-          <a:xfrm>
-            <a:off x="839788" y="1235008"/>
-            <a:ext cx="9869602" cy="4954655"/>
-          </a:xfrm>
-        </p:spPr>
-        <p:txBody>
-          <a:bodyPr>
-            <a:normAutofit/>
-          </a:bodyPr>
-          <a:lstStyle/>
-          <a:p>
-            <a:pPr marL="0" indent="0">
-              <a:buNone/>
-            </a:pPr>
-            <a:r>
-              <a:rPr lang="en-US" sz="3100" dirty="0">
-                <a:hlinkClick r:id="rId3"/>
-              </a:rPr>
-              <a:t>https://github.com/jpomfret/dbatools-replication</a:t>
-            </a:r>
-            <a:endParaRPr lang="en-US" sz="3100" dirty="0"/>
-          </a:p>
-          <a:p>
-            <a:pPr marL="0" indent="0">
-              <a:buNone/>
-            </a:pPr>
-            <a:endParaRPr lang="en-US" sz="3100" dirty="0"/>
-          </a:p>
-          <a:p>
-            <a:pPr marL="0" indent="0">
-              <a:buNone/>
-            </a:pPr>
-            <a:r>
-              <a:rPr lang="en-US" sz="3100" b="1" dirty="0"/>
-              <a:t>Jess Pomfret</a:t>
-            </a:r>
-          </a:p>
-          <a:p>
-            <a:pPr marL="0" indent="0">
-              <a:buNone/>
-            </a:pPr>
-            <a:endParaRPr lang="en-US" sz="3100" dirty="0"/>
-          </a:p>
-          <a:p>
-            <a:pPr marL="0" indent="0">
-              <a:buNone/>
-            </a:pPr>
-            <a:r>
-              <a:rPr lang="en-US" sz="3100" dirty="0">
-                <a:hlinkClick r:id="rId4"/>
-              </a:rPr>
-              <a:t>jpomfret7@gmail.com</a:t>
-            </a:r>
-            <a:endParaRPr lang="en-US" sz="3100" dirty="0"/>
-          </a:p>
-          <a:p>
-            <a:pPr marL="0" indent="0">
-              <a:buNone/>
-            </a:pPr>
-            <a:r>
-              <a:rPr lang="en-US" sz="3100" dirty="0">
-                <a:hlinkClick r:id="rId5"/>
-              </a:rPr>
-              <a:t>JessPomfret.com</a:t>
-            </a:r>
-            <a:endParaRPr lang="en-US" sz="3100" dirty="0"/>
-          </a:p>
-          <a:p>
-            <a:pPr marL="0" indent="0">
-              <a:buNone/>
-            </a:pPr>
-            <a:endParaRPr lang="en-US" sz="3100" dirty="0"/>
-          </a:p>
-        </p:txBody>
-      </p:sp>
-      <p:sp>
-        <p:nvSpPr>
-          <p:cNvPr id="2" name="Title 1">
-            <a:extLst>
-              <a:ext uri="{FF2B5EF4-FFF2-40B4-BE49-F238E27FC236}">
-                <a16:creationId xmlns:a16="http://schemas.microsoft.com/office/drawing/2014/main" id="{F3F9DAAB-4104-4A3F-B009-3A226CFDA3A8}"/>
-              </a:ext>
-            </a:extLst>
-          </p:cNvPr>
-          <p:cNvSpPr>
-            <a:spLocks noGrp="1"/>
-          </p:cNvSpPr>
-          <p:nvPr>
-            <p:ph type="title"/>
-          </p:nvPr>
-        </p:nvSpPr>
-        <p:spPr>
-          <a:xfrm>
-            <a:off x="838200" y="1"/>
-            <a:ext cx="10515600" cy="818650"/>
-          </a:xfrm>
-        </p:spPr>
-        <p:txBody>
-          <a:bodyPr anchor="ctr">
-            <a:normAutofit/>
-          </a:bodyPr>
-          <a:lstStyle/>
-          <a:p>
-            <a:r>
-              <a:rPr lang="en-US" dirty="0"/>
-              <a:t>Questions &amp; Feedback</a:t>
-            </a:r>
-          </a:p>
-        </p:txBody>
-      </p:sp>
-    </p:spTree>
-    <p:extLst>
-      <p:ext uri="{BB962C8B-B14F-4D97-AF65-F5344CB8AC3E}">
-        <p14:creationId xmlns:p14="http://schemas.microsoft.com/office/powerpoint/2010/main" val="1906721728"/>
       </p:ext>
     </p:extLst>
   </p:cSld>
